--- a/ISB_SA1_Tutorials.pptx
+++ b/ISB_SA1_Tutorials.pptx
@@ -4168,7 +4168,25 @@
                 </a:solidFill>
                 <a:latin typeface="Times New Roman" pitchFamily="18" charset="0"/>
               </a:rPr>
-              <a:t>,   , is the most common estimator of the </a:t>
+              <a:t>,</a:t>
+            </a:r>
+            <a:r>
+              <a:rPr lang="en-IN" sz="2800" dirty="0">
+                <a:solidFill>
+                  <a:srgbClr val="00279F"/>
+                </a:solidFill>
+                <a:latin typeface="Times New Roman" pitchFamily="18" charset="0"/>
+              </a:rPr>
+              <a:t>p</a:t>
+            </a:r>
+            <a:r>
+              <a:rPr lang="en-US" sz="2800" dirty="0">
+                <a:solidFill>
+                  <a:srgbClr val="00279F"/>
+                </a:solidFill>
+                <a:latin typeface="Times New Roman" pitchFamily="18" charset="0"/>
+              </a:rPr>
+              <a:t>, is the most common estimator of the </a:t>
             </a:r>
             <a:r>
               <a:rPr lang="en-US" sz="2800" dirty="0">
@@ -4187,6 +4205,15 @@
                 <a:latin typeface="Times New Roman" pitchFamily="18" charset="0"/>
               </a:rPr>
               <a:t>,</a:t>
+            </a:r>
+            <a:r>
+              <a:rPr lang="el-GR" sz="2800" dirty="0">
+                <a:solidFill>
+                  <a:srgbClr val="00279F"/>
+                </a:solidFill>
+                <a:latin typeface="Times New Roman" pitchFamily="18" charset="0"/>
+              </a:rPr>
+              <a:t>π</a:t>
             </a:r>
             <a:endParaRPr lang="en-IN" dirty="0"/>
           </a:p>

--- a/ISB_SA1_Tutorials.pptx
+++ b/ISB_SA1_Tutorials.pptx
@@ -292,7 +292,7 @@
           <a:p>
             <a:fld id="{96DFF08F-DC6B-4601-B491-B0F83F6DD2DA}" type="datetimeFigureOut">
               <a:rPr lang="en-US" dirty="0"/>
-              <a:t>4/27/2018</a:t>
+              <a:t>4/28/2018</a:t>
             </a:fld>
             <a:endParaRPr lang="en-US" dirty="0"/>
           </a:p>
@@ -457,7 +457,7 @@
           <a:p>
             <a:fld id="{96DFF08F-DC6B-4601-B491-B0F83F6DD2DA}" type="datetimeFigureOut">
               <a:rPr lang="en-US" dirty="0"/>
-              <a:t>4/27/2018</a:t>
+              <a:t>4/28/2018</a:t>
             </a:fld>
             <a:endParaRPr lang="en-US" dirty="0"/>
           </a:p>
@@ -675,7 +675,7 @@
           <a:p>
             <a:fld id="{96DFF08F-DC6B-4601-B491-B0F83F6DD2DA}" type="datetimeFigureOut">
               <a:rPr lang="en-US" dirty="0"/>
-              <a:t>4/27/2018</a:t>
+              <a:t>4/28/2018</a:t>
             </a:fld>
             <a:endParaRPr lang="en-US" dirty="0"/>
           </a:p>
@@ -850,7 +850,7 @@
           <a:p>
             <a:fld id="{96DFF08F-DC6B-4601-B491-B0F83F6DD2DA}" type="datetimeFigureOut">
               <a:rPr lang="en-US" dirty="0"/>
-              <a:t>4/27/2018</a:t>
+              <a:t>4/28/2018</a:t>
             </a:fld>
             <a:endParaRPr lang="en-US" dirty="0"/>
           </a:p>
@@ -1152,7 +1152,7 @@
             <a:fld id="{96DFF08F-DC6B-4601-B491-B0F83F6DD2DA}" type="datetimeFigureOut">
               <a:rPr lang="en-US" dirty="0"/>
               <a:pPr/>
-              <a:t>4/27/2018</a:t>
+              <a:t>4/28/2018</a:t>
             </a:fld>
             <a:endParaRPr lang="en-US" dirty="0"/>
           </a:p>
@@ -1452,7 +1452,7 @@
           <a:p>
             <a:fld id="{96DFF08F-DC6B-4601-B491-B0F83F6DD2DA}" type="datetimeFigureOut">
               <a:rPr lang="en-US" dirty="0"/>
-              <a:t>4/27/2018</a:t>
+              <a:t>4/28/2018</a:t>
             </a:fld>
             <a:endParaRPr lang="en-US" dirty="0"/>
           </a:p>
@@ -1869,7 +1869,7 @@
           <a:p>
             <a:fld id="{96DFF08F-DC6B-4601-B491-B0F83F6DD2DA}" type="datetimeFigureOut">
               <a:rPr lang="en-US" dirty="0"/>
-              <a:t>4/27/2018</a:t>
+              <a:t>4/28/2018</a:t>
             </a:fld>
             <a:endParaRPr lang="en-US" dirty="0"/>
           </a:p>
@@ -1982,7 +1982,7 @@
           <a:p>
             <a:fld id="{96DFF08F-DC6B-4601-B491-B0F83F6DD2DA}" type="datetimeFigureOut">
               <a:rPr lang="en-US" dirty="0"/>
-              <a:t>4/27/2018</a:t>
+              <a:t>4/28/2018</a:t>
             </a:fld>
             <a:endParaRPr lang="en-US" dirty="0"/>
           </a:p>
@@ -2072,7 +2072,7 @@
           <a:p>
             <a:fld id="{96DFF08F-DC6B-4601-B491-B0F83F6DD2DA}" type="datetimeFigureOut">
               <a:rPr lang="en-US" dirty="0"/>
-              <a:t>4/27/2018</a:t>
+              <a:t>4/28/2018</a:t>
             </a:fld>
             <a:endParaRPr lang="en-US" dirty="0"/>
           </a:p>
@@ -2340,7 +2340,7 @@
           <a:p>
             <a:fld id="{96DFF08F-DC6B-4601-B491-B0F83F6DD2DA}" type="datetimeFigureOut">
               <a:rPr lang="en-US" dirty="0"/>
-              <a:t>4/27/2018</a:t>
+              <a:t>4/28/2018</a:t>
             </a:fld>
             <a:endParaRPr lang="en-US" dirty="0"/>
           </a:p>
@@ -2600,7 +2600,7 @@
           <a:p>
             <a:fld id="{96DFF08F-DC6B-4601-B491-B0F83F6DD2DA}" type="datetimeFigureOut">
               <a:rPr lang="en-US" dirty="0"/>
-              <a:t>4/27/2018</a:t>
+              <a:t>4/28/2018</a:t>
             </a:fld>
             <a:endParaRPr lang="en-US" dirty="0"/>
           </a:p>
@@ -2845,7 +2845,7 @@
             <a:fld id="{96DFF08F-DC6B-4601-B491-B0F83F6DD2DA}" type="datetimeFigureOut">
               <a:rPr lang="en-US" dirty="0"/>
               <a:pPr/>
-              <a:t>4/27/2018</a:t>
+              <a:t>4/28/2018</a:t>
             </a:fld>
             <a:endParaRPr lang="en-US" dirty="0"/>
           </a:p>
@@ -3480,25 +3480,28 @@
           <a:p>
             <a:r>
               <a:rPr lang="en-US" dirty="0"/>
-              <a:t>Hypothesis testing – Single Population, Paired Observations, Two Population</a:t>
+              <a:t>Hypothesis testing – Single Population, Paired Observations, Comparison of Two Population</a:t>
             </a:r>
           </a:p>
           <a:p>
             <a:r>
               <a:rPr lang="en-US" dirty="0"/>
-              <a:t>Analysis of Variance – Comparison of Populations &gt; 2</a:t>
-            </a:r>
-          </a:p>
-          <a:p>
+              <a:t>Analysis of Variance – </a:t>
+            </a:r>
+            <a:r>
+              <a:rPr lang="en-US"/>
+              <a:t>Comparison of n  Populations n &gt; </a:t>
+            </a:r>
             <a:r>
               <a:rPr lang="en-US" dirty="0"/>
-              <a:t>Chi-Square Testing – Non parametric Test on count/</a:t>
-            </a:r>
-            <a:r>
-              <a:rPr lang="en-US"/>
-              <a:t>enumerative data</a:t>
-            </a:r>
-            <a:endParaRPr lang="en-US" dirty="0"/>
+              <a:t>2</a:t>
+            </a:r>
+          </a:p>
+          <a:p>
+            <a:r>
+              <a:rPr lang="en-US" dirty="0"/>
+              <a:t>Chi-Square Testing – Non parametric Test on count/enumerative data</a:t>
+            </a:r>
           </a:p>
           <a:p>
             <a:endParaRPr lang="en-US" dirty="0"/>
